--- a/Ruoqiao/day 1 - Unix.pptx
+++ b/Ruoqiao/day 1 - Unix.pptx
@@ -8,6 +8,7 @@
     <p:sldId id="257" r:id="rId2"/>
     <p:sldId id="258" r:id="rId3"/>
     <p:sldId id="261" r:id="rId4"/>
+    <p:sldId id="262" r:id="rId5"/>
   </p:sldIdLst>
   <p:sldSz cx="12192000" cy="6858000"/>
   <p:notesSz cx="6858000" cy="9144000"/>
@@ -3936,7 +3937,7 @@
         <p:spPr>
           <a:xfrm>
             <a:off x="755904" y="1455158"/>
-            <a:ext cx="6096000" cy="2031325"/>
+            <a:ext cx="6096000" cy="2585323"/>
           </a:xfrm>
           <a:prstGeom prst="rect">
             <a:avLst/>
@@ -3950,6 +3951,16 @@
           <a:lstStyle/>
           <a:p>
             <a:r>
+              <a:rPr lang="en-US"/>
+              <a:t>Advanced:</a:t>
+            </a:r>
+            <a:endParaRPr lang="en-US" dirty="0"/>
+          </a:p>
+          <a:p>
+            <a:endParaRPr lang="en-US" dirty="0"/>
+          </a:p>
+          <a:p>
+            <a:r>
               <a:rPr lang="en-US" dirty="0"/>
               <a:t>How to use Conda on HPCC:</a:t>
             </a:r>
@@ -3996,6 +4007,230 @@
     <p:extLst>
       <p:ext uri="{BB962C8B-B14F-4D97-AF65-F5344CB8AC3E}">
         <p14:creationId xmlns:p14="http://schemas.microsoft.com/office/powerpoint/2010/main" val="861930814"/>
+      </p:ext>
+    </p:extLst>
+  </p:cSld>
+  <p:clrMapOvr>
+    <a:masterClrMapping/>
+  </p:clrMapOvr>
+</p:sld>
+</file>
+
+<file path=ppt/slides/slide4.xml><?xml version="1.0" encoding="utf-8"?>
+<p:sld xmlns:a="http://schemas.openxmlformats.org/drawingml/2006/main" xmlns:r="http://schemas.openxmlformats.org/officeDocument/2006/relationships" xmlns:p="http://schemas.openxmlformats.org/presentationml/2006/main">
+  <p:cSld>
+    <p:spTree>
+      <p:nvGrpSpPr>
+        <p:cNvPr id="1" name=""/>
+        <p:cNvGrpSpPr/>
+        <p:nvPr/>
+      </p:nvGrpSpPr>
+      <p:grpSpPr>
+        <a:xfrm>
+          <a:off x="0" y="0"/>
+          <a:ext cx="0" cy="0"/>
+          <a:chOff x="0" y="0"/>
+          <a:chExt cx="0" cy="0"/>
+        </a:xfrm>
+      </p:grpSpPr>
+      <p:pic>
+        <p:nvPicPr>
+          <p:cNvPr id="10" name="Picture 9" descr="A screenshot of a computer&#10;&#10;Description automatically generated">
+            <a:extLst>
+              <a:ext uri="{FF2B5EF4-FFF2-40B4-BE49-F238E27FC236}">
+                <a16:creationId xmlns:a16="http://schemas.microsoft.com/office/drawing/2014/main" id="{8BDE4F8D-942F-DB11-14D6-2E882E2A0741}"/>
+              </a:ext>
+            </a:extLst>
+          </p:cNvPr>
+          <p:cNvPicPr>
+            <a:picLocks noChangeAspect="1"/>
+          </p:cNvPicPr>
+          <p:nvPr/>
+        </p:nvPicPr>
+        <p:blipFill>
+          <a:blip r:embed="rId2"/>
+          <a:stretch>
+            <a:fillRect/>
+          </a:stretch>
+        </p:blipFill>
+        <p:spPr>
+          <a:xfrm>
+            <a:off x="276779" y="1110343"/>
+            <a:ext cx="10018301" cy="5747657"/>
+          </a:xfrm>
+          <a:prstGeom prst="rect">
+            <a:avLst/>
+          </a:prstGeom>
+        </p:spPr>
+      </p:pic>
+      <p:sp>
+        <p:nvSpPr>
+          <p:cNvPr id="5" name="TextBox 4">
+            <a:extLst>
+              <a:ext uri="{FF2B5EF4-FFF2-40B4-BE49-F238E27FC236}">
+                <a16:creationId xmlns:a16="http://schemas.microsoft.com/office/drawing/2014/main" id="{497C3FF8-C139-9470-279D-32C9C3AD55B2}"/>
+              </a:ext>
+            </a:extLst>
+          </p:cNvPr>
+          <p:cNvSpPr txBox="1"/>
+          <p:nvPr/>
+        </p:nvSpPr>
+        <p:spPr>
+          <a:xfrm>
+            <a:off x="598714" y="568760"/>
+            <a:ext cx="6096000" cy="369332"/>
+          </a:xfrm>
+          <a:prstGeom prst="rect">
+            <a:avLst/>
+          </a:prstGeom>
+          <a:noFill/>
+        </p:spPr>
+        <p:txBody>
+          <a:bodyPr wrap="square">
+            <a:spAutoFit/>
+          </a:bodyPr>
+          <a:lstStyle/>
+          <a:p>
+            <a:r>
+              <a:rPr lang="en-US" b="0" i="0" u="sng" dirty="0">
+                <a:effectLst/>
+                <a:latin typeface="-apple-system"/>
+                <a:hlinkClick r:id="rId3"/>
+              </a:rPr>
+              <a:t>https://ondemand.hpcc.msu.edu/</a:t>
+            </a:r>
+            <a:endParaRPr lang="en-US" dirty="0"/>
+          </a:p>
+        </p:txBody>
+      </p:sp>
+      <p:sp>
+        <p:nvSpPr>
+          <p:cNvPr id="6" name="TextBox 5">
+            <a:extLst>
+              <a:ext uri="{FF2B5EF4-FFF2-40B4-BE49-F238E27FC236}">
+                <a16:creationId xmlns:a16="http://schemas.microsoft.com/office/drawing/2014/main" id="{945E71AF-04A8-025E-034B-28D019A0B100}"/>
+              </a:ext>
+            </a:extLst>
+          </p:cNvPr>
+          <p:cNvSpPr txBox="1"/>
+          <p:nvPr/>
+        </p:nvSpPr>
+        <p:spPr>
+          <a:xfrm>
+            <a:off x="3189620" y="0"/>
+            <a:ext cx="6343275" cy="523220"/>
+          </a:xfrm>
+          <a:prstGeom prst="rect">
+            <a:avLst/>
+          </a:prstGeom>
+          <a:noFill/>
+        </p:spPr>
+        <p:txBody>
+          <a:bodyPr wrap="none" rtlCol="0">
+            <a:spAutoFit/>
+          </a:bodyPr>
+          <a:lstStyle/>
+          <a:p>
+            <a:r>
+              <a:rPr lang="en-US" sz="2800" b="1" dirty="0"/>
+              <a:t>Launch R studio via HPCC OnDemand</a:t>
+            </a:r>
+          </a:p>
+        </p:txBody>
+      </p:sp>
+      <p:sp>
+        <p:nvSpPr>
+          <p:cNvPr id="8" name="TextBox 7">
+            <a:extLst>
+              <a:ext uri="{FF2B5EF4-FFF2-40B4-BE49-F238E27FC236}">
+                <a16:creationId xmlns:a16="http://schemas.microsoft.com/office/drawing/2014/main" id="{DB9D82D1-38D5-00D3-3607-05BB2BE3975C}"/>
+              </a:ext>
+            </a:extLst>
+          </p:cNvPr>
+          <p:cNvSpPr txBox="1"/>
+          <p:nvPr/>
+        </p:nvSpPr>
+        <p:spPr>
+          <a:xfrm>
+            <a:off x="8316686" y="3694251"/>
+            <a:ext cx="6096000" cy="1200329"/>
+          </a:xfrm>
+          <a:prstGeom prst="rect">
+            <a:avLst/>
+          </a:prstGeom>
+          <a:noFill/>
+        </p:spPr>
+        <p:txBody>
+          <a:bodyPr wrap="square">
+            <a:spAutoFit/>
+          </a:bodyPr>
+          <a:lstStyle/>
+          <a:p>
+            <a:r>
+              <a:rPr lang="en-US" b="0" i="0" u="none" strike="noStrike" dirty="0">
+                <a:solidFill>
+                  <a:srgbClr val="1F2328"/>
+                </a:solidFill>
+                <a:effectLst/>
+                <a:highlight>
+                  <a:srgbClr val="FFFFFF"/>
+                </a:highlight>
+              </a:rPr>
+              <a:t>For this tutorial, we suggest: </a:t>
+            </a:r>
+            <a:br>
+              <a:rPr lang="en-US" dirty="0"/>
+            </a:br>
+            <a:r>
+              <a:rPr lang="en-US" b="0" i="0" u="none" strike="noStrike" dirty="0">
+                <a:solidFill>
+                  <a:srgbClr val="1F2328"/>
+                </a:solidFill>
+                <a:effectLst/>
+                <a:highlight>
+                  <a:srgbClr val="FFFFFF"/>
+                </a:highlight>
+              </a:rPr>
+              <a:t>Number of hours: 3 </a:t>
+            </a:r>
+            <a:br>
+              <a:rPr lang="en-US" dirty="0"/>
+            </a:br>
+            <a:r>
+              <a:rPr lang="en-US" b="0" i="0" u="none" strike="noStrike" dirty="0">
+                <a:solidFill>
+                  <a:srgbClr val="1F2328"/>
+                </a:solidFill>
+                <a:effectLst/>
+                <a:highlight>
+                  <a:srgbClr val="FFFFFF"/>
+                </a:highlight>
+              </a:rPr>
+              <a:t>Number of cores per task: 1 </a:t>
+            </a:r>
+            <a:br>
+              <a:rPr lang="en-US" dirty="0"/>
+            </a:br>
+            <a:r>
+              <a:rPr lang="en-US" b="0" i="0" u="none" strike="noStrike" dirty="0">
+                <a:solidFill>
+                  <a:srgbClr val="1F2328"/>
+                </a:solidFill>
+                <a:effectLst/>
+                <a:highlight>
+                  <a:srgbClr val="FFFFFF"/>
+                </a:highlight>
+              </a:rPr>
+              <a:t>Amount of memory: 10 GB</a:t>
+            </a:r>
+            <a:endParaRPr lang="en-US" dirty="0"/>
+          </a:p>
+        </p:txBody>
+      </p:sp>
+    </p:spTree>
+    <p:extLst>
+      <p:ext uri="{BB962C8B-B14F-4D97-AF65-F5344CB8AC3E}">
+        <p14:creationId xmlns:p14="http://schemas.microsoft.com/office/powerpoint/2010/main" val="2965570309"/>
       </p:ext>
     </p:extLst>
   </p:cSld>
